--- a/docs/Lecture_001.pptx
+++ b/docs/Lecture_001.pptx
@@ -251,7 +251,7 @@
           <a:p>
             <a:fld id="{2C2D446A-5F06-4FB6-90AF-00741C033E90}" type="datetimeFigureOut">
               <a:rPr lang="en-US" smtClean="0"/>
-              <a:t>9/28/2023</a:t>
+              <a:t>10/4/2023</a:t>
             </a:fld>
             <a:endParaRPr lang="en-US"/>
           </a:p>
@@ -421,7 +421,7 @@
           <a:p>
             <a:fld id="{2C2D446A-5F06-4FB6-90AF-00741C033E90}" type="datetimeFigureOut">
               <a:rPr lang="en-US" smtClean="0"/>
-              <a:t>9/28/2023</a:t>
+              <a:t>10/4/2023</a:t>
             </a:fld>
             <a:endParaRPr lang="en-US"/>
           </a:p>
@@ -601,7 +601,7 @@
           <a:p>
             <a:fld id="{2C2D446A-5F06-4FB6-90AF-00741C033E90}" type="datetimeFigureOut">
               <a:rPr lang="en-US" smtClean="0"/>
-              <a:t>9/28/2023</a:t>
+              <a:t>10/4/2023</a:t>
             </a:fld>
             <a:endParaRPr lang="en-US"/>
           </a:p>
@@ -771,7 +771,7 @@
           <a:p>
             <a:fld id="{2C2D446A-5F06-4FB6-90AF-00741C033E90}" type="datetimeFigureOut">
               <a:rPr lang="en-US" smtClean="0"/>
-              <a:t>9/28/2023</a:t>
+              <a:t>10/4/2023</a:t>
             </a:fld>
             <a:endParaRPr lang="en-US"/>
           </a:p>
@@ -1015,7 +1015,7 @@
           <a:p>
             <a:fld id="{2C2D446A-5F06-4FB6-90AF-00741C033E90}" type="datetimeFigureOut">
               <a:rPr lang="en-US" smtClean="0"/>
-              <a:t>9/28/2023</a:t>
+              <a:t>10/4/2023</a:t>
             </a:fld>
             <a:endParaRPr lang="en-US"/>
           </a:p>
@@ -1247,7 +1247,7 @@
           <a:p>
             <a:fld id="{2C2D446A-5F06-4FB6-90AF-00741C033E90}" type="datetimeFigureOut">
               <a:rPr lang="en-US" smtClean="0"/>
-              <a:t>9/28/2023</a:t>
+              <a:t>10/4/2023</a:t>
             </a:fld>
             <a:endParaRPr lang="en-US"/>
           </a:p>
@@ -1614,7 +1614,7 @@
           <a:p>
             <a:fld id="{2C2D446A-5F06-4FB6-90AF-00741C033E90}" type="datetimeFigureOut">
               <a:rPr lang="en-US" smtClean="0"/>
-              <a:t>9/28/2023</a:t>
+              <a:t>10/4/2023</a:t>
             </a:fld>
             <a:endParaRPr lang="en-US"/>
           </a:p>
@@ -1732,7 +1732,7 @@
           <a:p>
             <a:fld id="{2C2D446A-5F06-4FB6-90AF-00741C033E90}" type="datetimeFigureOut">
               <a:rPr lang="en-US" smtClean="0"/>
-              <a:t>9/28/2023</a:t>
+              <a:t>10/4/2023</a:t>
             </a:fld>
             <a:endParaRPr lang="en-US"/>
           </a:p>
@@ -1827,7 +1827,7 @@
           <a:p>
             <a:fld id="{2C2D446A-5F06-4FB6-90AF-00741C033E90}" type="datetimeFigureOut">
               <a:rPr lang="en-US" smtClean="0"/>
-              <a:t>9/28/2023</a:t>
+              <a:t>10/4/2023</a:t>
             </a:fld>
             <a:endParaRPr lang="en-US"/>
           </a:p>
@@ -2104,7 +2104,7 @@
           <a:p>
             <a:fld id="{2C2D446A-5F06-4FB6-90AF-00741C033E90}" type="datetimeFigureOut">
               <a:rPr lang="en-US" smtClean="0"/>
-              <a:t>9/28/2023</a:t>
+              <a:t>10/4/2023</a:t>
             </a:fld>
             <a:endParaRPr lang="en-US"/>
           </a:p>
@@ -2361,7 +2361,7 @@
           <a:p>
             <a:fld id="{2C2D446A-5F06-4FB6-90AF-00741C033E90}" type="datetimeFigureOut">
               <a:rPr lang="en-US" smtClean="0"/>
-              <a:t>9/28/2023</a:t>
+              <a:t>10/4/2023</a:t>
             </a:fld>
             <a:endParaRPr lang="en-US"/>
           </a:p>
@@ -2583,7 +2583,7 @@
           <a:p>
             <a:fld id="{2C2D446A-5F06-4FB6-90AF-00741C033E90}" type="datetimeFigureOut">
               <a:rPr lang="en-US" smtClean="0"/>
-              <a:t>9/28/2023</a:t>
+              <a:t>10/4/2023</a:t>
             </a:fld>
             <a:endParaRPr lang="en-US"/>
           </a:p>
@@ -3353,6 +3353,49 @@
           </a:extLst>
         </p:spPr>
       </p:pic>
+      <p:sp>
+        <p:nvSpPr>
+          <p:cNvPr id="3" name="TextBox 2">
+            <a:extLst>
+              <a:ext uri="{FF2B5EF4-FFF2-40B4-BE49-F238E27FC236}">
+                <a16:creationId xmlns:a16="http://schemas.microsoft.com/office/drawing/2014/main" id="{06B12AD9-1490-C61C-107F-951FE7623AE2}"/>
+              </a:ext>
+            </a:extLst>
+          </p:cNvPr>
+          <p:cNvSpPr txBox="1"/>
+          <p:nvPr/>
+        </p:nvSpPr>
+        <p:spPr>
+          <a:xfrm>
+            <a:off x="3591660" y="5580034"/>
+            <a:ext cx="1802160" cy="369332"/>
+          </a:xfrm>
+          <a:prstGeom prst="rect">
+            <a:avLst/>
+          </a:prstGeom>
+          <a:noFill/>
+        </p:spPr>
+        <p:txBody>
+          <a:bodyPr wrap="none" rtlCol="0">
+            <a:spAutoFit/>
+          </a:bodyPr>
+          <a:lstStyle/>
+          <a:p>
+            <a:r>
+              <a:rPr lang="en-US" dirty="0"/>
+              <a:t>P E D Putra, </a:t>
+            </a:r>
+            <a:r>
+              <a:rPr lang="en-US" dirty="0" err="1"/>
+              <a:t>M.Si</a:t>
+            </a:r>
+            <a:r>
+              <a:rPr lang="en-US" dirty="0"/>
+              <a:t>.</a:t>
+            </a:r>
+          </a:p>
+        </p:txBody>
+      </p:sp>
     </p:spTree>
     <p:extLst>
       <p:ext uri="{BB962C8B-B14F-4D97-AF65-F5344CB8AC3E}">
